--- a/docs/songs/i speak jesus.pptx
+++ b/docs/songs/i speak jesus.pptx
@@ -5,10 +5,10 @@
     <p:sldMasterId id="2147483648" r:id="rId1"/>
   </p:sldMasterIdLst>
   <p:sldIdLst>
-    <p:sldId id="465" r:id="rId2"/>
-    <p:sldId id="466" r:id="rId3"/>
-    <p:sldId id="467" r:id="rId4"/>
-    <p:sldId id="474" r:id="rId5"/>
+    <p:sldId id="1303" r:id="rId2"/>
+    <p:sldId id="1304" r:id="rId3"/>
+    <p:sldId id="1305" r:id="rId4"/>
+    <p:sldId id="1306" r:id="rId5"/>
     <p:sldId id="695" r:id="rId6"/>
     <p:sldId id="696" r:id="rId7"/>
   </p:sldIdLst>
@@ -310,7 +310,7 @@
             <a:fld id="{26EA1CF3-4A15-4CBF-9A5A-6A56C368BE71}" type="datetimeFigureOut">
               <a:rPr lang="en-GB" smtClean="0"/>
               <a:pPr/>
-              <a:t>03/10/2022</a:t>
+              <a:t>13/10/2024</a:t>
             </a:fld>
             <a:endParaRPr lang="en-GB"/>
           </a:p>
@@ -477,7 +477,7 @@
             <a:fld id="{26EA1CF3-4A15-4CBF-9A5A-6A56C368BE71}" type="datetimeFigureOut">
               <a:rPr lang="en-GB" smtClean="0"/>
               <a:pPr/>
-              <a:t>03/10/2022</a:t>
+              <a:t>13/10/2024</a:t>
             </a:fld>
             <a:endParaRPr lang="en-GB"/>
           </a:p>
@@ -654,7 +654,7 @@
             <a:fld id="{26EA1CF3-4A15-4CBF-9A5A-6A56C368BE71}" type="datetimeFigureOut">
               <a:rPr lang="en-GB" smtClean="0"/>
               <a:pPr/>
-              <a:t>03/10/2022</a:t>
+              <a:t>13/10/2024</a:t>
             </a:fld>
             <a:endParaRPr lang="en-GB"/>
           </a:p>
@@ -821,7 +821,7 @@
             <a:fld id="{26EA1CF3-4A15-4CBF-9A5A-6A56C368BE71}" type="datetimeFigureOut">
               <a:rPr lang="en-GB" smtClean="0"/>
               <a:pPr/>
-              <a:t>03/10/2022</a:t>
+              <a:t>13/10/2024</a:t>
             </a:fld>
             <a:endParaRPr lang="en-GB"/>
           </a:p>
@@ -1064,7 +1064,7 @@
             <a:fld id="{26EA1CF3-4A15-4CBF-9A5A-6A56C368BE71}" type="datetimeFigureOut">
               <a:rPr lang="en-GB" smtClean="0"/>
               <a:pPr/>
-              <a:t>03/10/2022</a:t>
+              <a:t>13/10/2024</a:t>
             </a:fld>
             <a:endParaRPr lang="en-GB"/>
           </a:p>
@@ -1349,7 +1349,7 @@
             <a:fld id="{26EA1CF3-4A15-4CBF-9A5A-6A56C368BE71}" type="datetimeFigureOut">
               <a:rPr lang="en-GB" smtClean="0"/>
               <a:pPr/>
-              <a:t>03/10/2022</a:t>
+              <a:t>13/10/2024</a:t>
             </a:fld>
             <a:endParaRPr lang="en-GB"/>
           </a:p>
@@ -1768,7 +1768,7 @@
             <a:fld id="{26EA1CF3-4A15-4CBF-9A5A-6A56C368BE71}" type="datetimeFigureOut">
               <a:rPr lang="en-GB" smtClean="0"/>
               <a:pPr/>
-              <a:t>03/10/2022</a:t>
+              <a:t>13/10/2024</a:t>
             </a:fld>
             <a:endParaRPr lang="en-GB"/>
           </a:p>
@@ -1883,7 +1883,7 @@
             <a:fld id="{26EA1CF3-4A15-4CBF-9A5A-6A56C368BE71}" type="datetimeFigureOut">
               <a:rPr lang="en-GB" smtClean="0"/>
               <a:pPr/>
-              <a:t>03/10/2022</a:t>
+              <a:t>13/10/2024</a:t>
             </a:fld>
             <a:endParaRPr lang="en-GB"/>
           </a:p>
@@ -1975,7 +1975,7 @@
             <a:fld id="{26EA1CF3-4A15-4CBF-9A5A-6A56C368BE71}" type="datetimeFigureOut">
               <a:rPr lang="en-GB" smtClean="0"/>
               <a:pPr/>
-              <a:t>03/10/2022</a:t>
+              <a:t>13/10/2024</a:t>
             </a:fld>
             <a:endParaRPr lang="en-GB"/>
           </a:p>
@@ -2249,7 +2249,7 @@
             <a:fld id="{26EA1CF3-4A15-4CBF-9A5A-6A56C368BE71}" type="datetimeFigureOut">
               <a:rPr lang="en-GB" smtClean="0"/>
               <a:pPr/>
-              <a:t>03/10/2022</a:t>
+              <a:t>13/10/2024</a:t>
             </a:fld>
             <a:endParaRPr lang="en-GB"/>
           </a:p>
@@ -2499,7 +2499,7 @@
             <a:fld id="{26EA1CF3-4A15-4CBF-9A5A-6A56C368BE71}" type="datetimeFigureOut">
               <a:rPr lang="en-GB" smtClean="0"/>
               <a:pPr/>
-              <a:t>03/10/2022</a:t>
+              <a:t>13/10/2024</a:t>
             </a:fld>
             <a:endParaRPr lang="en-GB"/>
           </a:p>
@@ -2712,7 +2712,7 @@
             <a:fld id="{26EA1CF3-4A15-4CBF-9A5A-6A56C368BE71}" type="datetimeFigureOut">
               <a:rPr lang="en-GB" smtClean="0"/>
               <a:pPr/>
-              <a:t>03/10/2022</a:t>
+              <a:t>13/10/2024</a:t>
             </a:fld>
             <a:endParaRPr lang="en-GB"/>
           </a:p>
@@ -3293,7 +3293,7 @@
     </p:spTree>
     <p:extLst>
       <p:ext uri="{BB962C8B-B14F-4D97-AF65-F5344CB8AC3E}">
-        <p14:creationId xmlns:p14="http://schemas.microsoft.com/office/powerpoint/2010/main" val="3101639086"/>
+        <p14:creationId xmlns:p14="http://schemas.microsoft.com/office/powerpoint/2010/main" val="3599392039"/>
       </p:ext>
     </p:extLst>
   </p:cSld>
@@ -3332,7 +3332,7 @@
         </p:nvSpPr>
         <p:spPr>
           <a:xfrm>
-            <a:off x="323528" y="188640"/>
+            <a:off x="503040" y="764704"/>
             <a:ext cx="8640960" cy="6480720"/>
           </a:xfrm>
         </p:spPr>
@@ -3343,7 +3343,7 @@
           <a:lstStyle/>
           <a:p>
             <a:r>
-              <a:rPr lang="en-GB" sz="4600" dirty="0">
+              <a:rPr lang="en-GB" sz="3600" dirty="0">
                 <a:solidFill>
                   <a:schemeClr val="bg1"/>
                 </a:solidFill>
@@ -3353,7 +3353,7 @@
           </a:p>
           <a:p>
             <a:r>
-              <a:rPr lang="en-GB" sz="4600" dirty="0">
+              <a:rPr lang="en-GB" sz="3600" dirty="0">
                 <a:solidFill>
                   <a:schemeClr val="bg1"/>
                 </a:solidFill>
@@ -3361,7 +3361,7 @@
               <a:t>Over </a:t>
             </a:r>
             <a:r>
-              <a:rPr lang="en-GB" sz="4600" dirty="0" err="1">
+              <a:rPr lang="en-GB" sz="3600" dirty="0" err="1">
                 <a:solidFill>
                   <a:schemeClr val="bg1"/>
                 </a:solidFill>
@@ -3369,7 +3369,7 @@
               <a:t>ev'ry</a:t>
             </a:r>
             <a:r>
-              <a:rPr lang="en-GB" sz="4600" dirty="0">
+              <a:rPr lang="en-GB" sz="3600" dirty="0">
                 <a:solidFill>
                   <a:schemeClr val="bg1"/>
                 </a:solidFill>
@@ -3377,7 +3377,7 @@
               <a:t> heart and </a:t>
             </a:r>
             <a:r>
-              <a:rPr lang="en-GB" sz="4600" dirty="0" err="1">
+              <a:rPr lang="en-GB" sz="3600" dirty="0" err="1">
                 <a:solidFill>
                   <a:schemeClr val="bg1"/>
                 </a:solidFill>
@@ -3385,7 +3385,7 @@
               <a:t>ev'ry</a:t>
             </a:r>
             <a:r>
-              <a:rPr lang="en-GB" sz="4600" dirty="0">
+              <a:rPr lang="en-GB" sz="3600" dirty="0">
                 <a:solidFill>
                   <a:schemeClr val="bg1"/>
                 </a:solidFill>
@@ -3395,7 +3395,7 @@
           </a:p>
           <a:p>
             <a:r>
-              <a:rPr lang="en-GB" sz="4600" dirty="0" err="1">
+              <a:rPr lang="en-GB" sz="3600" dirty="0" err="1">
                 <a:solidFill>
                   <a:schemeClr val="bg1"/>
                 </a:solidFill>
@@ -3403,7 +3403,7 @@
               <a:t>'Cause</a:t>
             </a:r>
             <a:r>
-              <a:rPr lang="en-GB" sz="4600" dirty="0">
+              <a:rPr lang="en-GB" sz="3600" dirty="0">
                 <a:solidFill>
                   <a:schemeClr val="bg1"/>
                 </a:solidFill>
@@ -3413,7 +3413,7 @@
           </a:p>
           <a:p>
             <a:r>
-              <a:rPr lang="en-GB" sz="4600" dirty="0">
+              <a:rPr lang="en-GB" sz="3600" dirty="0">
                 <a:solidFill>
                   <a:schemeClr val="bg1"/>
                 </a:solidFill>
@@ -3459,7 +3459,7 @@
     </p:spTree>
     <p:extLst>
       <p:ext uri="{BB962C8B-B14F-4D97-AF65-F5344CB8AC3E}">
-        <p14:creationId xmlns:p14="http://schemas.microsoft.com/office/powerpoint/2010/main" val="348632634"/>
+        <p14:creationId xmlns:p14="http://schemas.microsoft.com/office/powerpoint/2010/main" val="488896387"/>
       </p:ext>
     </p:extLst>
   </p:cSld>
@@ -3498,7 +3498,7 @@
         </p:nvSpPr>
         <p:spPr>
           <a:xfrm>
-            <a:off x="323528" y="188640"/>
+            <a:off x="395536" y="836712"/>
             <a:ext cx="8640960" cy="6480720"/>
           </a:xfrm>
         </p:spPr>
@@ -3509,7 +3509,7 @@
           <a:lstStyle/>
           <a:p>
             <a:r>
-              <a:rPr lang="en-GB" sz="4800" dirty="0">
+              <a:rPr lang="en-GB" sz="3600" dirty="0">
                 <a:solidFill>
                   <a:schemeClr val="bg1"/>
                 </a:solidFill>
@@ -3519,7 +3519,7 @@
           </a:p>
           <a:p>
             <a:r>
-              <a:rPr lang="en-GB" sz="4800" dirty="0" err="1">
+              <a:rPr lang="en-GB" sz="3600" dirty="0" err="1">
                 <a:solidFill>
                   <a:schemeClr val="bg1"/>
                 </a:solidFill>
@@ -3527,7 +3527,7 @@
               <a:t>'Til</a:t>
             </a:r>
             <a:r>
-              <a:rPr lang="en-GB" sz="4800" dirty="0">
+              <a:rPr lang="en-GB" sz="3600" dirty="0">
                 <a:solidFill>
                   <a:schemeClr val="bg1"/>
                 </a:solidFill>
@@ -3535,7 +3535,7 @@
               <a:t> </a:t>
             </a:r>
             <a:r>
-              <a:rPr lang="en-GB" sz="4800" dirty="0" err="1">
+              <a:rPr lang="en-GB" sz="3600" dirty="0" err="1">
                 <a:solidFill>
                   <a:schemeClr val="bg1"/>
                 </a:solidFill>
@@ -3543,7 +3543,7 @@
               <a:t>ev'ry</a:t>
             </a:r>
             <a:r>
-              <a:rPr lang="en-GB" sz="4800" dirty="0">
+              <a:rPr lang="en-GB" sz="3600" dirty="0">
                 <a:solidFill>
                   <a:schemeClr val="bg1"/>
                 </a:solidFill>
@@ -3553,7 +3553,7 @@
           </a:p>
           <a:p>
             <a:r>
-              <a:rPr lang="en-GB" sz="4800" dirty="0">
+              <a:rPr lang="en-GB" sz="3600" dirty="0">
                 <a:solidFill>
                   <a:schemeClr val="bg1"/>
                 </a:solidFill>
@@ -3563,7 +3563,7 @@
           </a:p>
           <a:p>
             <a:r>
-              <a:rPr lang="en-GB" sz="4800" dirty="0">
+              <a:rPr lang="en-GB" sz="3600" dirty="0">
                 <a:solidFill>
                   <a:schemeClr val="bg1"/>
                 </a:solidFill>
@@ -3609,7 +3609,7 @@
     </p:spTree>
     <p:extLst>
       <p:ext uri="{BB962C8B-B14F-4D97-AF65-F5344CB8AC3E}">
-        <p14:creationId xmlns:p14="http://schemas.microsoft.com/office/powerpoint/2010/main" val="424017956"/>
+        <p14:creationId xmlns:p14="http://schemas.microsoft.com/office/powerpoint/2010/main" val="3472302279"/>
       </p:ext>
     </p:extLst>
   </p:cSld>
@@ -3648,7 +3648,7 @@
         </p:nvSpPr>
         <p:spPr>
           <a:xfrm>
-            <a:off x="323528" y="188640"/>
+            <a:off x="203118" y="692696"/>
             <a:ext cx="8640960" cy="6480720"/>
           </a:xfrm>
         </p:spPr>
@@ -3659,7 +3659,7 @@
           <a:lstStyle/>
           <a:p>
             <a:r>
-              <a:rPr lang="en-GB" sz="4800" dirty="0">
+              <a:rPr lang="en-GB" sz="3600" dirty="0">
                 <a:solidFill>
                   <a:schemeClr val="bg1"/>
                 </a:solidFill>
@@ -3667,7 +3667,7 @@
               <a:t>(</a:t>
             </a:r>
             <a:r>
-              <a:rPr lang="en-GB" sz="4800" dirty="0" err="1">
+              <a:rPr lang="en-GB" sz="3600" dirty="0" err="1">
                 <a:solidFill>
                   <a:schemeClr val="bg1"/>
                 </a:solidFill>
@@ -3675,7 +3675,7 @@
               <a:t>'Cause</a:t>
             </a:r>
             <a:r>
-              <a:rPr lang="en-GB" sz="4800" dirty="0">
+              <a:rPr lang="en-GB" sz="3600" dirty="0">
                 <a:solidFill>
                   <a:schemeClr val="bg1"/>
                 </a:solidFill>
@@ -3685,7 +3685,7 @@
           </a:p>
           <a:p>
             <a:r>
-              <a:rPr lang="en-GB" sz="4800" dirty="0">
+              <a:rPr lang="en-GB" sz="3600" dirty="0">
                 <a:solidFill>
                   <a:schemeClr val="bg1"/>
                 </a:solidFill>
@@ -3695,7 +3695,7 @@
           </a:p>
           <a:p>
             <a:r>
-              <a:rPr lang="en-GB" sz="4800" dirty="0">
+              <a:rPr lang="en-GB" sz="3600" dirty="0">
                 <a:solidFill>
                   <a:schemeClr val="bg1"/>
                 </a:solidFill>
@@ -3705,7 +3705,7 @@
           </a:p>
           <a:p>
             <a:r>
-              <a:rPr lang="en-GB" sz="4800" dirty="0">
+              <a:rPr lang="en-GB" sz="3600" dirty="0">
                 <a:solidFill>
                   <a:schemeClr val="bg1"/>
                 </a:solidFill>
@@ -3713,7 +3713,7 @@
               <a:t>Break </a:t>
             </a:r>
             <a:r>
-              <a:rPr lang="en-GB" sz="4800" dirty="0" err="1">
+              <a:rPr lang="en-GB" sz="3600" dirty="0" err="1">
                 <a:solidFill>
                   <a:schemeClr val="bg1"/>
                 </a:solidFill>
@@ -3721,7 +3721,7 @@
               <a:t>ev'ry</a:t>
             </a:r>
             <a:r>
-              <a:rPr lang="en-GB" sz="4800" dirty="0">
+              <a:rPr lang="en-GB" sz="3600" dirty="0">
                 <a:solidFill>
                   <a:schemeClr val="bg1"/>
                 </a:solidFill>
@@ -3731,7 +3731,7 @@
           </a:p>
           <a:p>
             <a:r>
-              <a:rPr lang="en-GB" sz="4800" dirty="0">
+              <a:rPr lang="en-GB" sz="3600" dirty="0">
                 <a:solidFill>
                   <a:schemeClr val="bg1"/>
                 </a:solidFill>
@@ -3741,7 +3741,7 @@
           </a:p>
           <a:p>
             <a:r>
-              <a:rPr lang="en-GB" sz="4800" dirty="0">
+              <a:rPr lang="en-GB" sz="3600" dirty="0">
                 <a:solidFill>
                   <a:schemeClr val="bg1"/>
                 </a:solidFill>
@@ -3787,7 +3787,7 @@
     </p:spTree>
     <p:extLst>
       <p:ext uri="{BB962C8B-B14F-4D97-AF65-F5344CB8AC3E}">
-        <p14:creationId xmlns:p14="http://schemas.microsoft.com/office/powerpoint/2010/main" val="1242897186"/>
+        <p14:creationId xmlns:p14="http://schemas.microsoft.com/office/powerpoint/2010/main" val="2434770861"/>
       </p:ext>
     </p:extLst>
   </p:cSld>
@@ -3826,7 +3826,7 @@
         </p:nvSpPr>
         <p:spPr>
           <a:xfrm>
-            <a:off x="323528" y="188640"/>
+            <a:off x="203118" y="692696"/>
             <a:ext cx="8640960" cy="6480720"/>
           </a:xfrm>
         </p:spPr>
@@ -3837,7 +3837,7 @@
           <a:lstStyle/>
           <a:p>
             <a:r>
-              <a:rPr lang="en-GB" sz="4600" dirty="0">
+              <a:rPr lang="en-GB" sz="3600" dirty="0">
                 <a:solidFill>
                   <a:schemeClr val="bg1"/>
                 </a:solidFill>
@@ -3847,7 +3847,7 @@
           </a:p>
           <a:p>
             <a:r>
-              <a:rPr lang="en-GB" sz="4600" dirty="0">
+              <a:rPr lang="en-GB" sz="3600" dirty="0">
                 <a:solidFill>
                   <a:schemeClr val="bg1"/>
                 </a:solidFill>
@@ -3857,7 +3857,7 @@
           </a:p>
           <a:p>
             <a:r>
-              <a:rPr lang="en-GB" sz="4600" dirty="0">
+              <a:rPr lang="en-GB" sz="3600" dirty="0">
                 <a:solidFill>
                   <a:schemeClr val="bg1"/>
                 </a:solidFill>
@@ -3865,7 +3865,7 @@
               <a:t>To </a:t>
             </a:r>
             <a:r>
-              <a:rPr lang="en-GB" sz="4600" dirty="0" err="1">
+              <a:rPr lang="en-GB" sz="3600" dirty="0" err="1">
                 <a:solidFill>
                   <a:schemeClr val="bg1"/>
                 </a:solidFill>
@@ -3873,7 +3873,7 @@
               <a:t>ev'ry</a:t>
             </a:r>
             <a:r>
-              <a:rPr lang="en-GB" sz="4600" dirty="0">
+              <a:rPr lang="en-GB" sz="3600" dirty="0">
                 <a:solidFill>
                   <a:schemeClr val="bg1"/>
                 </a:solidFill>
@@ -3883,7 +3883,7 @@
           </a:p>
           <a:p>
             <a:r>
-              <a:rPr lang="en-GB" sz="4600" dirty="0">
+              <a:rPr lang="en-GB" sz="3600" dirty="0">
                 <a:solidFill>
                   <a:schemeClr val="bg1"/>
                 </a:solidFill>
@@ -3968,7 +3968,7 @@
         </p:nvSpPr>
         <p:spPr>
           <a:xfrm>
-            <a:off x="323528" y="188640"/>
+            <a:off x="395536" y="692696"/>
             <a:ext cx="8640960" cy="6480720"/>
           </a:xfrm>
         </p:spPr>
@@ -3979,7 +3979,7 @@
           <a:lstStyle/>
           <a:p>
             <a:r>
-              <a:rPr lang="en-GB" sz="4800" dirty="0">
+              <a:rPr lang="en-GB" sz="3600" dirty="0">
                 <a:solidFill>
                   <a:schemeClr val="bg1"/>
                 </a:solidFill>
@@ -3989,7 +3989,7 @@
           </a:p>
           <a:p>
             <a:r>
-              <a:rPr lang="en-GB" sz="4800" dirty="0">
+              <a:rPr lang="en-GB" sz="3600" dirty="0">
                 <a:solidFill>
                   <a:schemeClr val="bg1"/>
                 </a:solidFill>
@@ -3999,7 +3999,7 @@
           </a:p>
           <a:p>
             <a:r>
-              <a:rPr lang="en-GB" sz="4800" dirty="0">
+              <a:rPr lang="en-GB" sz="3600" dirty="0">
                 <a:solidFill>
                   <a:schemeClr val="bg1"/>
                 </a:solidFill>
@@ -4007,7 +4007,7 @@
               <a:t>Jesus in the darkness over </a:t>
             </a:r>
             <a:r>
-              <a:rPr lang="en-GB" sz="4800" dirty="0" err="1">
+              <a:rPr lang="en-GB" sz="3600" dirty="0" err="1">
                 <a:solidFill>
                   <a:schemeClr val="bg1"/>
                 </a:solidFill>
@@ -4015,7 +4015,7 @@
               <a:t>ev'ry</a:t>
             </a:r>
             <a:r>
-              <a:rPr lang="en-GB" sz="4800" dirty="0">
+              <a:rPr lang="en-GB" sz="3600" dirty="0">
                 <a:solidFill>
                   <a:schemeClr val="bg1"/>
                 </a:solidFill>
@@ -4025,7 +4025,7 @@
           </a:p>
           <a:p>
             <a:r>
-              <a:rPr lang="en-GB" sz="4800" dirty="0">
+              <a:rPr lang="en-GB" sz="3600" dirty="0">
                 <a:solidFill>
                   <a:schemeClr val="bg1"/>
                 </a:solidFill>
@@ -4033,14 +4033,14 @@
               <a:t>Jesus for my </a:t>
             </a:r>
             <a:r>
-              <a:rPr lang="en-GB" sz="4800" dirty="0" err="1">
+              <a:rPr lang="en-GB" sz="3600" dirty="0" err="1">
                 <a:solidFill>
                   <a:schemeClr val="bg1"/>
                 </a:solidFill>
               </a:rPr>
               <a:t>fam'ly</a:t>
             </a:r>
-            <a:endParaRPr lang="en-GB" sz="4800" dirty="0">
+            <a:endParaRPr lang="en-GB" sz="3600" dirty="0">
               <a:solidFill>
                 <a:schemeClr val="bg1"/>
               </a:solidFill>
@@ -4048,7 +4048,7 @@
           </a:p>
           <a:p>
             <a:r>
-              <a:rPr lang="en-GB" sz="4800" dirty="0">
+              <a:rPr lang="en-GB" sz="3600" dirty="0">
                 <a:solidFill>
                   <a:schemeClr val="bg1"/>
                 </a:solidFill>
